--- a/6.- Diapositivas de presentación/FabiaNatura.pptx
+++ b/6.- Diapositivas de presentación/FabiaNatura.pptx
@@ -14,30 +14,31 @@
     <p:sldId id="259" r:id="rId8"/>
     <p:sldId id="260" r:id="rId9"/>
     <p:sldId id="261" r:id="rId10"/>
+    <p:sldId id="262" r:id="rId11"/>
   </p:sldIdLst>
   <p:sldSz cy="6858000" cx="12192000"/>
   <p:notesSz cx="6858000" cy="9144000"/>
   <p:embeddedFontLst>
     <p:embeddedFont>
       <p:font typeface="Montserrat"/>
-      <p:regular r:id="rId11"/>
-      <p:bold r:id="rId12"/>
-      <p:italic r:id="rId13"/>
-      <p:boldItalic r:id="rId14"/>
+      <p:regular r:id="rId12"/>
+      <p:bold r:id="rId13"/>
+      <p:italic r:id="rId14"/>
+      <p:boldItalic r:id="rId15"/>
     </p:embeddedFont>
     <p:embeddedFont>
       <p:font typeface="Candara"/>
-      <p:regular r:id="rId15"/>
-      <p:bold r:id="rId16"/>
-      <p:italic r:id="rId17"/>
-      <p:boldItalic r:id="rId18"/>
+      <p:regular r:id="rId16"/>
+      <p:bold r:id="rId17"/>
+      <p:italic r:id="rId18"/>
+      <p:boldItalic r:id="rId19"/>
     </p:embeddedFont>
     <p:embeddedFont>
       <p:font typeface="Open Sans"/>
-      <p:regular r:id="rId19"/>
-      <p:bold r:id="rId20"/>
-      <p:italic r:id="rId21"/>
-      <p:boldItalic r:id="rId22"/>
+      <p:regular r:id="rId20"/>
+      <p:bold r:id="rId21"/>
+      <p:italic r:id="rId22"/>
+      <p:boldItalic r:id="rId23"/>
     </p:embeddedFont>
   </p:embeddedFontLst>
   <p:defaultTextStyle>
@@ -1212,7 +1213,7 @@
       </p:grpSpPr>
       <p:sp>
         <p:nvSpPr>
-          <p:cNvPr id="121" name="Google Shape;121;g31ae0154113_0_31:notes"/>
+          <p:cNvPr id="121" name="Google Shape;121;g31ae0154113_1_0:notes"/>
           <p:cNvSpPr txBox="1"/>
           <p:nvPr>
             <p:ph idx="1" type="body"/>
@@ -1251,7 +1252,106 @@
       </p:sp>
       <p:sp>
         <p:nvSpPr>
-          <p:cNvPr id="122" name="Google Shape;122;g31ae0154113_0_31:notes"/>
+          <p:cNvPr id="122" name="Google Shape;122;g31ae0154113_1_0:notes"/>
+          <p:cNvSpPr/>
+          <p:nvPr>
+            <p:ph idx="2" type="sldImg"/>
+          </p:nvPr>
+        </p:nvSpPr>
+        <p:spPr>
+          <a:xfrm>
+            <a:off x="1143225" y="685800"/>
+            <a:ext cx="4572300" cy="3429000"/>
+          </a:xfrm>
+          <a:custGeom>
+            <a:rect b="b" l="l" r="r" t="t"/>
+            <a:pathLst>
+              <a:path extrusionOk="0" h="120000" w="120000">
+                <a:moveTo>
+                  <a:pt x="0" y="0"/>
+                </a:moveTo>
+                <a:lnTo>
+                  <a:pt x="120000" y="0"/>
+                </a:lnTo>
+                <a:lnTo>
+                  <a:pt x="120000" y="120000"/>
+                </a:lnTo>
+                <a:lnTo>
+                  <a:pt x="0" y="120000"/>
+                </a:lnTo>
+                <a:close/>
+              </a:path>
+            </a:pathLst>
+          </a:custGeom>
+        </p:spPr>
+      </p:sp>
+    </p:spTree>
+  </p:cSld>
+  <p:clrMapOvr>
+    <a:masterClrMapping/>
+  </p:clrMapOvr>
+</p:notes>
+</file>
+
+<file path=ppt/notesSlides/notesSlide7.xml><?xml version="1.0" encoding="utf-8"?>
+<p:notes xmlns:a="http://schemas.openxmlformats.org/drawingml/2006/main" xmlns:r="http://schemas.openxmlformats.org/officeDocument/2006/relationships" xmlns:mc="http://schemas.openxmlformats.org/markup-compatibility/2006" xmlns:mv="urn:schemas-microsoft-com:mac:vml" xmlns:p="http://schemas.openxmlformats.org/presentationml/2006/main" xmlns:c="http://schemas.openxmlformats.org/drawingml/2006/chart" xmlns:dgm="http://schemas.openxmlformats.org/drawingml/2006/diagram" xmlns:o="urn:schemas-microsoft-com:office:office" xmlns:v="urn:schemas-microsoft-com:vml" xmlns:pvml="urn:schemas-microsoft-com:office:powerpoint" xmlns:com="http://schemas.openxmlformats.org/drawingml/2006/compatibility" xmlns:p14="http://schemas.microsoft.com/office/powerpoint/2010/main" xmlns:p15="http://schemas.microsoft.com/office/powerpoint/2012/main" xmlns:ahyp="http://schemas.microsoft.com/office/drawing/2018/hyperlinkcolor" showMasterPhAnim="0" showMasterSp="0">
+  <p:cSld>
+    <p:spTree>
+      <p:nvGrpSpPr>
+        <p:cNvPr id="127" name="Shape 127"/>
+        <p:cNvGrpSpPr/>
+        <p:nvPr/>
+      </p:nvGrpSpPr>
+      <p:grpSpPr>
+        <a:xfrm>
+          <a:off x="0" y="0"/>
+          <a:ext cx="0" cy="0"/>
+          <a:chOff x="0" y="0"/>
+          <a:chExt cx="0" cy="0"/>
+        </a:xfrm>
+      </p:grpSpPr>
+      <p:sp>
+        <p:nvSpPr>
+          <p:cNvPr id="128" name="Google Shape;128;g31ae0154113_0_31:notes"/>
+          <p:cNvSpPr txBox="1"/>
+          <p:nvPr>
+            <p:ph idx="1" type="body"/>
+          </p:nvPr>
+        </p:nvSpPr>
+        <p:spPr>
+          <a:xfrm>
+            <a:off x="685800" y="4343400"/>
+            <a:ext cx="5486400" cy="4114800"/>
+          </a:xfrm>
+          <a:prstGeom prst="rect">
+            <a:avLst/>
+          </a:prstGeom>
+        </p:spPr>
+        <p:txBody>
+          <a:bodyPr anchorCtr="0" anchor="t" bIns="91425" lIns="91425" spcFirstLastPara="1" rIns="91425" wrap="square" tIns="91425">
+            <a:noAutofit/>
+          </a:bodyPr>
+          <a:lstStyle/>
+          <a:p>
+            <a:pPr indent="0" lvl="0" marL="0" rtl="0" algn="l">
+              <a:spcBef>
+                <a:spcPts val="0"/>
+              </a:spcBef>
+              <a:spcAft>
+                <a:spcPts val="0"/>
+              </a:spcAft>
+              <a:buNone/>
+            </a:pPr>
+            <a:r>
+              <a:t/>
+            </a:r>
+            <a:endParaRPr/>
+          </a:p>
+        </p:txBody>
+      </p:sp>
+      <p:sp>
+        <p:nvSpPr>
+          <p:cNvPr id="129" name="Google Shape;129;g31ae0154113_0_31:notes"/>
           <p:cNvSpPr/>
           <p:nvPr>
             <p:ph idx="2" type="sldImg"/>
@@ -8658,9 +8758,126 @@
           </a:p>
         </p:txBody>
       </p:sp>
+      <p:sp>
+        <p:nvSpPr>
+          <p:cNvPr id="125" name="Google Shape;125;p16"/>
+          <p:cNvSpPr txBox="1"/>
+          <p:nvPr>
+            <p:ph idx="1" type="subTitle"/>
+          </p:nvPr>
+        </p:nvSpPr>
+        <p:spPr>
+          <a:xfrm>
+            <a:off x="5671043" y="1151850"/>
+            <a:ext cx="849900" cy="397800"/>
+          </a:xfrm>
+          <a:prstGeom prst="rect">
+            <a:avLst/>
+          </a:prstGeom>
+          <a:noFill/>
+          <a:ln>
+            <a:noFill/>
+          </a:ln>
+        </p:spPr>
+        <p:txBody>
+          <a:bodyPr anchorCtr="0" anchor="t" bIns="45700" lIns="91425" spcFirstLastPara="1" rIns="91425" wrap="square" tIns="45700">
+            <a:noAutofit/>
+          </a:bodyPr>
+          <a:lstStyle/>
+          <a:p>
+            <a:pPr indent="0" lvl="0" marL="0" rtl="0" algn="l">
+              <a:lnSpc>
+                <a:spcPct val="90000"/>
+              </a:lnSpc>
+              <a:spcBef>
+                <a:spcPts val="0"/>
+              </a:spcBef>
+              <a:spcAft>
+                <a:spcPts val="0"/>
+              </a:spcAft>
+              <a:buClr>
+                <a:schemeClr val="lt1"/>
+              </a:buClr>
+              <a:buSzPts val="2400"/>
+              <a:buNone/>
+            </a:pPr>
+            <a:r>
+              <a:rPr lang="en-US" sz="2000"/>
+              <a:t>físico</a:t>
+            </a:r>
+            <a:endParaRPr sz="2000"/>
+          </a:p>
+          <a:p>
+            <a:pPr indent="0" lvl="0" marL="0" rtl="0" algn="l">
+              <a:lnSpc>
+                <a:spcPct val="90000"/>
+              </a:lnSpc>
+              <a:spcBef>
+                <a:spcPts val="0"/>
+              </a:spcBef>
+              <a:spcAft>
+                <a:spcPts val="0"/>
+              </a:spcAft>
+              <a:buClr>
+                <a:schemeClr val="lt1"/>
+              </a:buClr>
+              <a:buSzPts val="2400"/>
+              <a:buNone/>
+            </a:pPr>
+            <a:r>
+              <a:t/>
+            </a:r>
+            <a:endParaRPr/>
+          </a:p>
+          <a:p>
+            <a:pPr indent="0" lvl="0" marL="0" rtl="0" algn="l">
+              <a:lnSpc>
+                <a:spcPct val="90000"/>
+              </a:lnSpc>
+              <a:spcBef>
+                <a:spcPts val="0"/>
+              </a:spcBef>
+              <a:spcAft>
+                <a:spcPts val="0"/>
+              </a:spcAft>
+              <a:buClr>
+                <a:schemeClr val="lt1"/>
+              </a:buClr>
+              <a:buSzPts val="2400"/>
+              <a:buNone/>
+            </a:pPr>
+            <a:r>
+              <a:t/>
+            </a:r>
+            <a:endParaRPr/>
+          </a:p>
+          <a:p>
+            <a:pPr indent="0" lvl="0" marL="0" rtl="0" algn="l">
+              <a:lnSpc>
+                <a:spcPct val="90000"/>
+              </a:lnSpc>
+              <a:spcBef>
+                <a:spcPts val="0"/>
+              </a:spcBef>
+              <a:spcAft>
+                <a:spcPts val="0"/>
+              </a:spcAft>
+              <a:buClr>
+                <a:schemeClr val="lt1"/>
+              </a:buClr>
+              <a:buSzPts val="2400"/>
+              <a:buNone/>
+            </a:pPr>
+            <a:r>
+              <a:t/>
+            </a:r>
+            <a:endParaRPr/>
+          </a:p>
+        </p:txBody>
+      </p:sp>
       <p:pic>
         <p:nvPicPr>
-          <p:cNvPr id="125" name="Google Shape;125;p16"/>
+          <p:cNvPr id="126" name="Google Shape;126;p16"/>
           <p:cNvPicPr preferRelativeResize="0"/>
           <p:nvPr/>
         </p:nvPicPr>
@@ -8674,8 +8891,8 @@
         </p:blipFill>
         <p:spPr>
           <a:xfrm>
-            <a:off x="214575" y="1979650"/>
-            <a:ext cx="6529476" cy="3667125"/>
+            <a:off x="1567950" y="1549650"/>
+            <a:ext cx="9056091" cy="5003550"/>
           </a:xfrm>
           <a:prstGeom prst="rect">
             <a:avLst/>
@@ -8686,9 +8903,114 @@
           </a:ln>
         </p:spPr>
       </p:pic>
+    </p:spTree>
+  </p:cSld>
+  <p:clrMapOvr>
+    <a:masterClrMapping/>
+  </p:clrMapOvr>
+</p:sld>
+</file>
+
+<file path=ppt/slides/slide7.xml><?xml version="1.0" encoding="utf-8"?>
+<p:sld xmlns:a="http://schemas.openxmlformats.org/drawingml/2006/main" xmlns:r="http://schemas.openxmlformats.org/officeDocument/2006/relationships" xmlns:mc="http://schemas.openxmlformats.org/markup-compatibility/2006" xmlns:mv="urn:schemas-microsoft-com:mac:vml" xmlns:p="http://schemas.openxmlformats.org/presentationml/2006/main" xmlns:c="http://schemas.openxmlformats.org/drawingml/2006/chart" xmlns:dgm="http://schemas.openxmlformats.org/drawingml/2006/diagram" xmlns:o="urn:schemas-microsoft-com:office:office" xmlns:v="urn:schemas-microsoft-com:vml" xmlns:pvml="urn:schemas-microsoft-com:office:powerpoint" xmlns:com="http://schemas.openxmlformats.org/drawingml/2006/compatibility" xmlns:p14="http://schemas.microsoft.com/office/powerpoint/2010/main" xmlns:p15="http://schemas.microsoft.com/office/powerpoint/2012/main" xmlns:ahyp="http://schemas.microsoft.com/office/drawing/2018/hyperlinkcolor">
+  <p:cSld>
+    <p:spTree>
+      <p:nvGrpSpPr>
+        <p:cNvPr id="130" name="Shape 130"/>
+        <p:cNvGrpSpPr/>
+        <p:nvPr/>
+      </p:nvGrpSpPr>
+      <p:grpSpPr>
+        <a:xfrm>
+          <a:off x="0" y="0"/>
+          <a:ext cx="0" cy="0"/>
+          <a:chOff x="0" y="0"/>
+          <a:chExt cx="0" cy="0"/>
+        </a:xfrm>
+      </p:grpSpPr>
       <p:sp>
         <p:nvSpPr>
-          <p:cNvPr id="126" name="Google Shape;126;p16"/>
+          <p:cNvPr id="131" name="Google Shape;131;p17"/>
+          <p:cNvSpPr txBox="1"/>
+          <p:nvPr>
+            <p:ph type="ctrTitle"/>
+          </p:nvPr>
+        </p:nvSpPr>
+        <p:spPr>
+          <a:xfrm>
+            <a:off x="163700" y="0"/>
+            <a:ext cx="5824200" cy="991200"/>
+          </a:xfrm>
+          <a:prstGeom prst="rect">
+            <a:avLst/>
+          </a:prstGeom>
+          <a:noFill/>
+          <a:ln>
+            <a:noFill/>
+          </a:ln>
+        </p:spPr>
+        <p:txBody>
+          <a:bodyPr anchorCtr="0" anchor="b" bIns="45700" lIns="91425" spcFirstLastPara="1" rIns="91425" wrap="square" tIns="45700">
+            <a:noAutofit/>
+          </a:bodyPr>
+          <a:lstStyle/>
+          <a:p>
+            <a:pPr indent="0" lvl="0" marL="0" rtl="0" algn="l">
+              <a:lnSpc>
+                <a:spcPct val="90000"/>
+              </a:lnSpc>
+              <a:spcBef>
+                <a:spcPts val="0"/>
+              </a:spcBef>
+              <a:spcAft>
+                <a:spcPts val="0"/>
+              </a:spcAft>
+              <a:buClr>
+                <a:schemeClr val="lt1"/>
+              </a:buClr>
+              <a:buSzPts val="4800"/>
+              <a:buFont typeface="Montserrat"/>
+              <a:buNone/>
+            </a:pPr>
+            <a:r>
+              <a:rPr lang="en-US" sz="4500"/>
+              <a:t>SGBD FabiaNatura</a:t>
+            </a:r>
+            <a:endParaRPr sz="4500"/>
+          </a:p>
+        </p:txBody>
+      </p:sp>
+      <p:pic>
+        <p:nvPicPr>
+          <p:cNvPr id="132" name="Google Shape;132;p17"/>
+          <p:cNvPicPr preferRelativeResize="0"/>
+          <p:nvPr/>
+        </p:nvPicPr>
+        <p:blipFill>
+          <a:blip r:embed="rId3">
+            <a:alphaModFix/>
+          </a:blip>
+          <a:stretch>
+            <a:fillRect/>
+          </a:stretch>
+        </p:blipFill>
+        <p:spPr>
+          <a:xfrm>
+            <a:off x="214575" y="1979650"/>
+            <a:ext cx="6529476" cy="3667125"/>
+          </a:xfrm>
+          <a:prstGeom prst="rect">
+            <a:avLst/>
+          </a:prstGeom>
+          <a:noFill/>
+          <a:ln>
+            <a:noFill/>
+          </a:ln>
+        </p:spPr>
+      </p:pic>
+      <p:sp>
+        <p:nvSpPr>
+          <p:cNvPr id="133" name="Google Shape;133;p17"/>
           <p:cNvSpPr txBox="1"/>
           <p:nvPr>
             <p:ph idx="1" type="subTitle"/>
@@ -8805,7 +9127,7 @@
       </p:sp>
       <p:pic>
         <p:nvPicPr>
-          <p:cNvPr id="127" name="Google Shape;127;p16"/>
+          <p:cNvPr id="134" name="Google Shape;134;p17"/>
           <p:cNvPicPr preferRelativeResize="0"/>
           <p:nvPr/>
         </p:nvPicPr>
@@ -8833,7 +9155,7 @@
       </p:pic>
       <p:sp>
         <p:nvSpPr>
-          <p:cNvPr id="128" name="Google Shape;128;p16"/>
+          <p:cNvPr id="135" name="Google Shape;135;p17"/>
           <p:cNvSpPr txBox="1"/>
           <p:nvPr>
             <p:ph idx="1" type="subTitle"/>
